--- a/final_project/Final Project Presentation.pptx
+++ b/final_project/Final Project Presentation.pptx
@@ -4844,8 +4844,19 @@
                 <a:latin typeface="Calibri" panose="020F0502020204030204" pitchFamily="34" charset="0"/>
                 <a:cs typeface="Calibri" panose="020F0502020204030204" pitchFamily="34" charset="0"/>
               </a:rPr>
-              <a:t>Best performing model is Linear Regression with Standard  Scaling of features Used Linear Regression</a:t>
-            </a:r>
+              <a:t>Best performing model is Linear Regression with Standard  Scaling </a:t>
+            </a:r>
+            <a:r>
+              <a:rPr lang="en-US">
+                <a:latin typeface="Calibri" panose="020F0502020204030204" pitchFamily="34" charset="0"/>
+                <a:cs typeface="Calibri" panose="020F0502020204030204" pitchFamily="34" charset="0"/>
+              </a:rPr>
+              <a:t>of features</a:t>
+            </a:r>
+            <a:endParaRPr lang="en-US" dirty="0">
+              <a:latin typeface="Calibri" panose="020F0502020204030204" pitchFamily="34" charset="0"/>
+              <a:cs typeface="Calibri" panose="020F0502020204030204" pitchFamily="34" charset="0"/>
+            </a:endParaRPr>
           </a:p>
           <a:p>
             <a:pPr marL="285750" indent="-285750">
